--- a/Lightning Presentation.pptx
+++ b/Lightning Presentation.pptx
@@ -110,7 +110,16 @@
       </a:defRPr>
     </a:lvl9pPr>
   </p:defaultTextStyle>
+  <p:extLst>
+    <p:ext uri="{EFAFB233-063F-42B5-8137-9DF3F51BA10A}">
+      <p15:sldGuideLst xmlns:p15="http://schemas.microsoft.com/office/powerpoint/2012/main"/>
+    </p:ext>
+  </p:extLst>
 </p:presentation>
+</file>
+
+<file path=ppt/revisionInfo.xml><?xml version="1.0" encoding="utf-8"?>
+<p1510:revInfo xmlns:a="http://schemas.openxmlformats.org/drawingml/2006/main" xmlns:r="http://schemas.openxmlformats.org/officeDocument/2006/relationships" xmlns:p1510="http://schemas.microsoft.com/office/powerpoint/2015/10/main"/>
 </file>
 
 <file path=ppt/notesMasters/notesMaster1.xml><?xml version="1.0" encoding="utf-8"?>
@@ -888,7 +897,7 @@
           <a:p>
             <a:fld id="{6D4BA94C-C255-49AD-B9CA-101928C8D02C}" type="datetimeFigureOut">
               <a:rPr lang="en-US" smtClean="0"/>
-              <a:t>12/11/2017</a:t>
+              <a:t>12/12/2017</a:t>
             </a:fld>
             <a:endParaRPr lang="en-US"/>
           </a:p>
@@ -1058,7 +1067,7 @@
           <a:p>
             <a:fld id="{6D4BA94C-C255-49AD-B9CA-101928C8D02C}" type="datetimeFigureOut">
               <a:rPr lang="en-US" smtClean="0"/>
-              <a:t>12/11/2017</a:t>
+              <a:t>12/12/2017</a:t>
             </a:fld>
             <a:endParaRPr lang="en-US"/>
           </a:p>
@@ -1238,7 +1247,7 @@
           <a:p>
             <a:fld id="{6D4BA94C-C255-49AD-B9CA-101928C8D02C}" type="datetimeFigureOut">
               <a:rPr lang="en-US" smtClean="0"/>
-              <a:t>12/11/2017</a:t>
+              <a:t>12/12/2017</a:t>
             </a:fld>
             <a:endParaRPr lang="en-US"/>
           </a:p>
@@ -1408,7 +1417,7 @@
           <a:p>
             <a:fld id="{6D4BA94C-C255-49AD-B9CA-101928C8D02C}" type="datetimeFigureOut">
               <a:rPr lang="en-US" smtClean="0"/>
-              <a:t>12/11/2017</a:t>
+              <a:t>12/12/2017</a:t>
             </a:fld>
             <a:endParaRPr lang="en-US"/>
           </a:p>
@@ -1654,7 +1663,7 @@
           <a:p>
             <a:fld id="{6D4BA94C-C255-49AD-B9CA-101928C8D02C}" type="datetimeFigureOut">
               <a:rPr lang="en-US" smtClean="0"/>
-              <a:t>12/11/2017</a:t>
+              <a:t>12/12/2017</a:t>
             </a:fld>
             <a:endParaRPr lang="en-US"/>
           </a:p>
@@ -1886,7 +1895,7 @@
           <a:p>
             <a:fld id="{6D4BA94C-C255-49AD-B9CA-101928C8D02C}" type="datetimeFigureOut">
               <a:rPr lang="en-US" smtClean="0"/>
-              <a:t>12/11/2017</a:t>
+              <a:t>12/12/2017</a:t>
             </a:fld>
             <a:endParaRPr lang="en-US"/>
           </a:p>
@@ -2253,7 +2262,7 @@
           <a:p>
             <a:fld id="{6D4BA94C-C255-49AD-B9CA-101928C8D02C}" type="datetimeFigureOut">
               <a:rPr lang="en-US" smtClean="0"/>
-              <a:t>12/11/2017</a:t>
+              <a:t>12/12/2017</a:t>
             </a:fld>
             <a:endParaRPr lang="en-US"/>
           </a:p>
@@ -2371,7 +2380,7 @@
           <a:p>
             <a:fld id="{6D4BA94C-C255-49AD-B9CA-101928C8D02C}" type="datetimeFigureOut">
               <a:rPr lang="en-US" smtClean="0"/>
-              <a:t>12/11/2017</a:t>
+              <a:t>12/12/2017</a:t>
             </a:fld>
             <a:endParaRPr lang="en-US"/>
           </a:p>
@@ -2466,7 +2475,7 @@
           <a:p>
             <a:fld id="{6D4BA94C-C255-49AD-B9CA-101928C8D02C}" type="datetimeFigureOut">
               <a:rPr lang="en-US" smtClean="0"/>
-              <a:t>12/11/2017</a:t>
+              <a:t>12/12/2017</a:t>
             </a:fld>
             <a:endParaRPr lang="en-US"/>
           </a:p>
@@ -2743,7 +2752,7 @@
           <a:p>
             <a:fld id="{6D4BA94C-C255-49AD-B9CA-101928C8D02C}" type="datetimeFigureOut">
               <a:rPr lang="en-US" smtClean="0"/>
-              <a:t>12/11/2017</a:t>
+              <a:t>12/12/2017</a:t>
             </a:fld>
             <a:endParaRPr lang="en-US"/>
           </a:p>
@@ -3000,7 +3009,7 @@
           <a:p>
             <a:fld id="{6D4BA94C-C255-49AD-B9CA-101928C8D02C}" type="datetimeFigureOut">
               <a:rPr lang="en-US" smtClean="0"/>
-              <a:t>12/11/2017</a:t>
+              <a:t>12/12/2017</a:t>
             </a:fld>
             <a:endParaRPr lang="en-US"/>
           </a:p>
@@ -3213,7 +3222,7 @@
           <a:p>
             <a:fld id="{6D4BA94C-C255-49AD-B9CA-101928C8D02C}" type="datetimeFigureOut">
               <a:rPr lang="en-US" smtClean="0"/>
-              <a:t>12/11/2017</a:t>
+              <a:t>12/12/2017</a:t>
             </a:fld>
             <a:endParaRPr lang="en-US"/>
           </a:p>
@@ -4118,7 +4127,7 @@
           <a:p>
             <a:r>
               <a:rPr lang="en-US" dirty="0"/>
-              <a:t>Will a swimmer know if their training is going to pay off with a top-8 finish in the NCAA championships before going into competition? Top bracket is usually known, can we predict the rising stars?</a:t>
+              <a:t>Will a swimmer know if their training is going to pay off with a top-8 finish in the NCAA championships before going into competition? Top bracket is usually known - can we predict the rising stars?</a:t>
             </a:r>
           </a:p>
         </p:txBody>
@@ -4628,7 +4637,7 @@
           <a:p>
             <a:r>
               <a:rPr lang="en-US" dirty="0"/>
-              <a:t>Somewhere out there a hard working guy/gal needs an hour to blow off steam. Given your playstyle, is playing 2 rounds of PUBG worth it?</a:t>
+              <a:t>Somewhere out there a hard working guy/gal needs an hour to blow off steam. Given their playstyle, is playing 2 rounds of PUBG worth it if their goal is to win?</a:t>
             </a:r>
           </a:p>
         </p:txBody>
@@ -4673,7 +4682,23 @@
           <a:p>
             <a:r>
               <a:rPr lang="en-US" dirty="0"/>
-              <a:t>Using data from 3 months of player data from approximately 100,000 unique players and 1MM hours of gameplay will help me predict whether or not my play style gives me a good chance of winning a match (or two) if I only have 1hr of downtime a day. (2 Rounds takes approx. 1hr)</a:t>
+              <a:t>Using 3 months of player data  to analyze playstyle (approx. 100,000 unique players and 1MM hours of gameplay) will help to predict the probability of winning a match (or two) </a:t>
+            </a:r>
+            <a:r>
+              <a:rPr lang="en-US"/>
+              <a:t>if a </a:t>
+            </a:r>
+            <a:r>
+              <a:rPr lang="en-US" dirty="0"/>
+              <a:t>player only has 1hr of downtime a day. (2 Rounds takes </a:t>
+            </a:r>
+            <a:r>
+              <a:rPr lang="en-US" dirty="0" err="1"/>
+              <a:t>approx</a:t>
+            </a:r>
+            <a:r>
+              <a:rPr lang="en-US" dirty="0"/>
+              <a:t> ~1hr)</a:t>
             </a:r>
           </a:p>
         </p:txBody>
